--- a/Physiological_Modelling/Arbejdsblade/Connectors.pptx
+++ b/Physiological_Modelling/Arbejdsblade/Connectors.pptx
@@ -553,6 +553,128 @@
       </pc:sldChg>
     </pc:docChg>
   </pc:docChgLst>
+  <pc:docChgLst>
+    <pc:chgData name="Lasse Leuchtmann" userId="131693f92d42914b" providerId="LiveId" clId="{D1025610-84EA-484D-99E1-18C99C918BAC}"/>
+    <pc:docChg chg="modSld">
+      <pc:chgData name="Lasse Leuchtmann" userId="131693f92d42914b" providerId="LiveId" clId="{D1025610-84EA-484D-99E1-18C99C918BAC}" dt="2023-11-26T19:27:36.855" v="31" actId="6549"/>
+      <pc:docMkLst>
+        <pc:docMk/>
+      </pc:docMkLst>
+      <pc:sldChg chg="modSp mod">
+        <pc:chgData name="Lasse Leuchtmann" userId="131693f92d42914b" providerId="LiveId" clId="{D1025610-84EA-484D-99E1-18C99C918BAC}" dt="2023-11-26T19:27:17.525" v="3" actId="6549"/>
+        <pc:sldMkLst>
+          <pc:docMk/>
+          <pc:sldMk cId="2770322985" sldId="261"/>
+        </pc:sldMkLst>
+        <pc:spChg chg="mod">
+          <ac:chgData name="Lasse Leuchtmann" userId="131693f92d42914b" providerId="LiveId" clId="{D1025610-84EA-484D-99E1-18C99C918BAC}" dt="2023-11-26T19:27:17.525" v="3" actId="6549"/>
+          <ac:spMkLst>
+            <pc:docMk/>
+            <pc:sldMk cId="2770322985" sldId="261"/>
+            <ac:spMk id="2" creationId="{F35C6109-55B0-F89E-FACE-22D1586EF0CF}"/>
+          </ac:spMkLst>
+        </pc:spChg>
+      </pc:sldChg>
+      <pc:sldChg chg="modSp mod">
+        <pc:chgData name="Lasse Leuchtmann" userId="131693f92d42914b" providerId="LiveId" clId="{D1025610-84EA-484D-99E1-18C99C918BAC}" dt="2023-11-26T19:27:21.450" v="11" actId="6549"/>
+        <pc:sldMkLst>
+          <pc:docMk/>
+          <pc:sldMk cId="2055941424" sldId="262"/>
+        </pc:sldMkLst>
+        <pc:spChg chg="mod">
+          <ac:chgData name="Lasse Leuchtmann" userId="131693f92d42914b" providerId="LiveId" clId="{D1025610-84EA-484D-99E1-18C99C918BAC}" dt="2023-11-26T19:27:20.074" v="7" actId="6549"/>
+          <ac:spMkLst>
+            <pc:docMk/>
+            <pc:sldMk cId="2055941424" sldId="262"/>
+            <ac:spMk id="2" creationId="{F35C6109-55B0-F89E-FACE-22D1586EF0CF}"/>
+          </ac:spMkLst>
+        </pc:spChg>
+        <pc:spChg chg="mod">
+          <ac:chgData name="Lasse Leuchtmann" userId="131693f92d42914b" providerId="LiveId" clId="{D1025610-84EA-484D-99E1-18C99C918BAC}" dt="2023-11-26T19:27:21.450" v="11" actId="6549"/>
+          <ac:spMkLst>
+            <pc:docMk/>
+            <pc:sldMk cId="2055941424" sldId="262"/>
+            <ac:spMk id="3" creationId="{CEB10896-DD31-8298-BB54-729B8B3848A9}"/>
+          </ac:spMkLst>
+        </pc:spChg>
+      </pc:sldChg>
+      <pc:sldChg chg="modSp mod">
+        <pc:chgData name="Lasse Leuchtmann" userId="131693f92d42914b" providerId="LiveId" clId="{D1025610-84EA-484D-99E1-18C99C918BAC}" dt="2023-11-26T19:27:26.450" v="15" actId="6549"/>
+        <pc:sldMkLst>
+          <pc:docMk/>
+          <pc:sldMk cId="1865269497" sldId="263"/>
+        </pc:sldMkLst>
+        <pc:spChg chg="mod">
+          <ac:chgData name="Lasse Leuchtmann" userId="131693f92d42914b" providerId="LiveId" clId="{D1025610-84EA-484D-99E1-18C99C918BAC}" dt="2023-11-26T19:27:26.450" v="15" actId="6549"/>
+          <ac:spMkLst>
+            <pc:docMk/>
+            <pc:sldMk cId="1865269497" sldId="263"/>
+            <ac:spMk id="2" creationId="{F35C6109-55B0-F89E-FACE-22D1586EF0CF}"/>
+          </ac:spMkLst>
+        </pc:spChg>
+      </pc:sldChg>
+      <pc:sldChg chg="modSp mod">
+        <pc:chgData name="Lasse Leuchtmann" userId="131693f92d42914b" providerId="LiveId" clId="{D1025610-84EA-484D-99E1-18C99C918BAC}" dt="2023-11-26T19:27:29.154" v="19" actId="6549"/>
+        <pc:sldMkLst>
+          <pc:docMk/>
+          <pc:sldMk cId="1209620859" sldId="264"/>
+        </pc:sldMkLst>
+        <pc:spChg chg="mod">
+          <ac:chgData name="Lasse Leuchtmann" userId="131693f92d42914b" providerId="LiveId" clId="{D1025610-84EA-484D-99E1-18C99C918BAC}" dt="2023-11-26T19:27:29.154" v="19" actId="6549"/>
+          <ac:spMkLst>
+            <pc:docMk/>
+            <pc:sldMk cId="1209620859" sldId="264"/>
+            <ac:spMk id="2" creationId="{F35C6109-55B0-F89E-FACE-22D1586EF0CF}"/>
+          </ac:spMkLst>
+        </pc:spChg>
+      </pc:sldChg>
+      <pc:sldChg chg="modSp mod">
+        <pc:chgData name="Lasse Leuchtmann" userId="131693f92d42914b" providerId="LiveId" clId="{D1025610-84EA-484D-99E1-18C99C918BAC}" dt="2023-11-26T19:27:31.938" v="23" actId="6549"/>
+        <pc:sldMkLst>
+          <pc:docMk/>
+          <pc:sldMk cId="2453300243" sldId="265"/>
+        </pc:sldMkLst>
+        <pc:spChg chg="mod">
+          <ac:chgData name="Lasse Leuchtmann" userId="131693f92d42914b" providerId="LiveId" clId="{D1025610-84EA-484D-99E1-18C99C918BAC}" dt="2023-11-26T19:27:31.938" v="23" actId="6549"/>
+          <ac:spMkLst>
+            <pc:docMk/>
+            <pc:sldMk cId="2453300243" sldId="265"/>
+            <ac:spMk id="2" creationId="{F35C6109-55B0-F89E-FACE-22D1586EF0CF}"/>
+          </ac:spMkLst>
+        </pc:spChg>
+      </pc:sldChg>
+      <pc:sldChg chg="modSp mod">
+        <pc:chgData name="Lasse Leuchtmann" userId="131693f92d42914b" providerId="LiveId" clId="{D1025610-84EA-484D-99E1-18C99C918BAC}" dt="2023-11-26T19:27:34.482" v="27" actId="6549"/>
+        <pc:sldMkLst>
+          <pc:docMk/>
+          <pc:sldMk cId="1756543909" sldId="266"/>
+        </pc:sldMkLst>
+        <pc:spChg chg="mod">
+          <ac:chgData name="Lasse Leuchtmann" userId="131693f92d42914b" providerId="LiveId" clId="{D1025610-84EA-484D-99E1-18C99C918BAC}" dt="2023-11-26T19:27:34.482" v="27" actId="6549"/>
+          <ac:spMkLst>
+            <pc:docMk/>
+            <pc:sldMk cId="1756543909" sldId="266"/>
+            <ac:spMk id="2" creationId="{F35C6109-55B0-F89E-FACE-22D1586EF0CF}"/>
+          </ac:spMkLst>
+        </pc:spChg>
+      </pc:sldChg>
+      <pc:sldChg chg="modSp mod">
+        <pc:chgData name="Lasse Leuchtmann" userId="131693f92d42914b" providerId="LiveId" clId="{D1025610-84EA-484D-99E1-18C99C918BAC}" dt="2023-11-26T19:27:36.855" v="31" actId="6549"/>
+        <pc:sldMkLst>
+          <pc:docMk/>
+          <pc:sldMk cId="711913038" sldId="267"/>
+        </pc:sldMkLst>
+        <pc:spChg chg="mod">
+          <ac:chgData name="Lasse Leuchtmann" userId="131693f92d42914b" providerId="LiveId" clId="{D1025610-84EA-484D-99E1-18C99C918BAC}" dt="2023-11-26T19:27:36.855" v="31" actId="6549"/>
+          <ac:spMkLst>
+            <pc:docMk/>
+            <pc:sldMk cId="711913038" sldId="267"/>
+            <ac:spMk id="2" creationId="{83A96B54-BDAF-6175-917C-539249E6B67C}"/>
+          </ac:spMkLst>
+        </pc:spChg>
+      </pc:sldChg>
+    </pc:docChg>
+  </pc:docChgLst>
 </pc:chgInfo>
 </file>
 
@@ -705,7 +827,7 @@
           <a:p>
             <a:fld id="{B00A85D1-9FFB-42CE-820F-2E880131DFDC}" type="datetimeFigureOut">
               <a:rPr lang="en-DK" smtClean="0"/>
-              <a:t>30/10/2023</a:t>
+              <a:t>26/11/2023</a:t>
             </a:fld>
             <a:endParaRPr lang="en-DK"/>
           </a:p>
@@ -905,7 +1027,7 @@
           <a:p>
             <a:fld id="{B00A85D1-9FFB-42CE-820F-2E880131DFDC}" type="datetimeFigureOut">
               <a:rPr lang="en-DK" smtClean="0"/>
-              <a:t>30/10/2023</a:t>
+              <a:t>26/11/2023</a:t>
             </a:fld>
             <a:endParaRPr lang="en-DK"/>
           </a:p>
@@ -1115,7 +1237,7 @@
           <a:p>
             <a:fld id="{B00A85D1-9FFB-42CE-820F-2E880131DFDC}" type="datetimeFigureOut">
               <a:rPr lang="en-DK" smtClean="0"/>
-              <a:t>30/10/2023</a:t>
+              <a:t>26/11/2023</a:t>
             </a:fld>
             <a:endParaRPr lang="en-DK"/>
           </a:p>
@@ -1315,7 +1437,7 @@
           <a:p>
             <a:fld id="{B00A85D1-9FFB-42CE-820F-2E880131DFDC}" type="datetimeFigureOut">
               <a:rPr lang="en-DK" smtClean="0"/>
-              <a:t>30/10/2023</a:t>
+              <a:t>26/11/2023</a:t>
             </a:fld>
             <a:endParaRPr lang="en-DK"/>
           </a:p>
@@ -1591,7 +1713,7 @@
           <a:p>
             <a:fld id="{B00A85D1-9FFB-42CE-820F-2E880131DFDC}" type="datetimeFigureOut">
               <a:rPr lang="en-DK" smtClean="0"/>
-              <a:t>30/10/2023</a:t>
+              <a:t>26/11/2023</a:t>
             </a:fld>
             <a:endParaRPr lang="en-DK"/>
           </a:p>
@@ -1859,7 +1981,7 @@
           <a:p>
             <a:fld id="{B00A85D1-9FFB-42CE-820F-2E880131DFDC}" type="datetimeFigureOut">
               <a:rPr lang="en-DK" smtClean="0"/>
-              <a:t>30/10/2023</a:t>
+              <a:t>26/11/2023</a:t>
             </a:fld>
             <a:endParaRPr lang="en-DK"/>
           </a:p>
@@ -2274,7 +2396,7 @@
           <a:p>
             <a:fld id="{B00A85D1-9FFB-42CE-820F-2E880131DFDC}" type="datetimeFigureOut">
               <a:rPr lang="en-DK" smtClean="0"/>
-              <a:t>30/10/2023</a:t>
+              <a:t>26/11/2023</a:t>
             </a:fld>
             <a:endParaRPr lang="en-DK"/>
           </a:p>
@@ -2416,7 +2538,7 @@
           <a:p>
             <a:fld id="{B00A85D1-9FFB-42CE-820F-2E880131DFDC}" type="datetimeFigureOut">
               <a:rPr lang="en-DK" smtClean="0"/>
-              <a:t>30/10/2023</a:t>
+              <a:t>26/11/2023</a:t>
             </a:fld>
             <a:endParaRPr lang="en-DK"/>
           </a:p>
@@ -2529,7 +2651,7 @@
           <a:p>
             <a:fld id="{B00A85D1-9FFB-42CE-820F-2E880131DFDC}" type="datetimeFigureOut">
               <a:rPr lang="en-DK" smtClean="0"/>
-              <a:t>30/10/2023</a:t>
+              <a:t>26/11/2023</a:t>
             </a:fld>
             <a:endParaRPr lang="en-DK"/>
           </a:p>
@@ -2842,7 +2964,7 @@
           <a:p>
             <a:fld id="{B00A85D1-9FFB-42CE-820F-2E880131DFDC}" type="datetimeFigureOut">
               <a:rPr lang="en-DK" smtClean="0"/>
-              <a:t>30/10/2023</a:t>
+              <a:t>26/11/2023</a:t>
             </a:fld>
             <a:endParaRPr lang="en-DK"/>
           </a:p>
@@ -3131,7 +3253,7 @@
           <a:p>
             <a:fld id="{B00A85D1-9FFB-42CE-820F-2E880131DFDC}" type="datetimeFigureOut">
               <a:rPr lang="en-DK" smtClean="0"/>
-              <a:t>30/10/2023</a:t>
+              <a:t>26/11/2023</a:t>
             </a:fld>
             <a:endParaRPr lang="en-DK"/>
           </a:p>
@@ -3374,7 +3496,7 @@
           <a:p>
             <a:fld id="{B00A85D1-9FFB-42CE-820F-2E880131DFDC}" type="datetimeFigureOut">
               <a:rPr lang="en-DK" smtClean="0"/>
-              <a:t>30/10/2023</a:t>
+              <a:t>26/11/2023</a:t>
             </a:fld>
             <a:endParaRPr lang="en-DK"/>
           </a:p>
@@ -3914,7 +4036,7 @@
           <a:p>
             <a:r>
               <a:rPr lang="en-US" dirty="0"/>
-              <a:t>Valve2022 -&gt; </a:t>
+              <a:t>Valve -&gt; </a:t>
             </a:r>
             <a:r>
               <a:rPr lang="en-US" dirty="0" err="1"/>
@@ -4385,8 +4507,12 @@
           <a:lstStyle/>
           <a:p>
             <a:r>
-              <a:rPr lang="en-US" dirty="0"/>
-              <a:t>Valve2022 -&gt; </a:t>
+              <a:rPr lang="en-US"/>
+              <a:t>Valve </a:t>
+            </a:r>
+            <a:r>
+              <a:rPr lang="en-US" dirty="0"/>
+              <a:t>-&gt; </a:t>
             </a:r>
             <a:r>
               <a:rPr lang="en-US" dirty="0" err="1"/>
@@ -5329,7 +5455,7 @@
           <a:p>
             <a:r>
               <a:rPr lang="en-US" dirty="0"/>
-              <a:t>Valve2022 - </a:t>
+              <a:t>Valve - </a:t>
             </a:r>
             <a:r>
               <a:rPr lang="en-US" dirty="0" err="1"/>
@@ -5682,7 +5808,7 @@
           <a:p>
             <a:r>
               <a:rPr lang="en-US" dirty="0"/>
-              <a:t>Valve2022 - </a:t>
+              <a:t>Valve - </a:t>
             </a:r>
             <a:r>
               <a:rPr lang="en-US" dirty="0" err="1"/>
@@ -5716,7 +5842,7 @@
             <a:pPr lvl="1"/>
             <a:r>
               <a:rPr lang="en-US" dirty="0"/>
-              <a:t>Valve2022 </a:t>
+              <a:t>Valve </a:t>
             </a:r>
             <a:r>
               <a:rPr lang="en-US" dirty="0" err="1"/>
@@ -5994,7 +6120,7 @@
           <a:p>
             <a:r>
               <a:rPr lang="en-US" dirty="0"/>
-              <a:t>Valve2022 -&gt; </a:t>
+              <a:t>Valve -&gt; </a:t>
             </a:r>
             <a:r>
               <a:rPr lang="en-US" dirty="0" err="1"/>
@@ -6298,7 +6424,7 @@
           <a:p>
             <a:r>
               <a:rPr lang="en-US" dirty="0"/>
-              <a:t>Valve2022 -&gt; </a:t>
+              <a:t>Valve -&gt; </a:t>
             </a:r>
             <a:r>
               <a:rPr lang="en-US" dirty="0" err="1"/>
@@ -6851,7 +6977,7 @@
           <a:p>
             <a:r>
               <a:rPr lang="en-US" dirty="0"/>
-              <a:t>Valve2022 -&gt; </a:t>
+              <a:t>Valve -&gt; </a:t>
             </a:r>
             <a:r>
               <a:rPr lang="en-US" dirty="0" err="1"/>
